--- a/AsianPart2.pptx
+++ b/AsianPart2.pptx
@@ -2984,6 +2984,10 @@
           <a:bodyPr/>
           <a:lstStyle/>
           <a:p>
+            <a:r>
+              <a:rPr lang="en-AU" smtClean="0"/>
+              <a:t>Hello </a:t>
+            </a:r>
             <a:endParaRPr lang="en-AU"/>
           </a:p>
         </p:txBody>

--- a/AsianPart2.pptx
+++ b/AsianPart2.pptx
@@ -3007,7 +3007,11 @@
           <a:bodyPr/>
           <a:lstStyle/>
           <a:p>
-            <a:endParaRPr lang="en-AU"/>
+            <a:r>
+              <a:rPr lang="en-AU" dirty="0" smtClean="0"/>
+              <a:t>How  are you there.</a:t>
+            </a:r>
+            <a:endParaRPr lang="en-AU" dirty="0"/>
           </a:p>
         </p:txBody>
       </p:sp>

--- a/AsianPart2.pptx
+++ b/AsianPart2.pptx
@@ -3007,6 +3007,10 @@
           <a:bodyPr/>
           <a:lstStyle/>
           <a:p>
+            <a:r>
+              <a:rPr lang="en-AU" smtClean="0"/>
+              <a:t>kjjgtydvu</a:t>
+            </a:r>
             <a:endParaRPr lang="en-AU"/>
           </a:p>
         </p:txBody>
